--- a/開學第1次會議(2019_0827).pptx
+++ b/開學第1次會議(2019_0827).pptx
@@ -1006,7 +1006,7 @@
           <a:p>
             <a:fld id="{6BCD8E05-CB2E-4D8C-8649-F196AC579A59}" type="datetimeFigureOut">
               <a:rPr lang="zh-TW" altLang="en-US" smtClean="0"/>
-              <a:t>2019/8/20</a:t>
+              <a:t>2019/8/21</a:t>
             </a:fld>
             <a:endParaRPr lang="zh-TW" altLang="en-US"/>
           </a:p>
@@ -1217,7 +1217,7 @@
           <a:p>
             <a:fld id="{6BCD8E05-CB2E-4D8C-8649-F196AC579A59}" type="datetimeFigureOut">
               <a:rPr lang="zh-TW" altLang="en-US" smtClean="0"/>
-              <a:t>2019/8/20</a:t>
+              <a:t>2019/8/21</a:t>
             </a:fld>
             <a:endParaRPr lang="zh-TW" altLang="en-US"/>
           </a:p>
@@ -1432,7 +1432,7 @@
           <a:p>
             <a:fld id="{6BCD8E05-CB2E-4D8C-8649-F196AC579A59}" type="datetimeFigureOut">
               <a:rPr lang="zh-TW" altLang="en-US" smtClean="0"/>
-              <a:t>2019/8/20</a:t>
+              <a:t>2019/8/21</a:t>
             </a:fld>
             <a:endParaRPr lang="zh-TW" altLang="en-US"/>
           </a:p>
@@ -1633,7 +1633,7 @@
           <a:p>
             <a:fld id="{6BCD8E05-CB2E-4D8C-8649-F196AC579A59}" type="datetimeFigureOut">
               <a:rPr lang="zh-TW" altLang="en-US" smtClean="0"/>
-              <a:t>2019/8/20</a:t>
+              <a:t>2019/8/21</a:t>
             </a:fld>
             <a:endParaRPr lang="zh-TW" altLang="en-US"/>
           </a:p>
@@ -1912,7 +1912,7 @@
           <a:p>
             <a:fld id="{6BCD8E05-CB2E-4D8C-8649-F196AC579A59}" type="datetimeFigureOut">
               <a:rPr lang="zh-TW" altLang="en-US" smtClean="0"/>
-              <a:t>2019/8/20</a:t>
+              <a:t>2019/8/21</a:t>
             </a:fld>
             <a:endParaRPr lang="zh-TW" altLang="en-US"/>
           </a:p>
@@ -2180,7 +2180,7 @@
           <a:p>
             <a:fld id="{6BCD8E05-CB2E-4D8C-8649-F196AC579A59}" type="datetimeFigureOut">
               <a:rPr lang="zh-TW" altLang="en-US" smtClean="0"/>
-              <a:t>2019/8/20</a:t>
+              <a:t>2019/8/21</a:t>
             </a:fld>
             <a:endParaRPr lang="zh-TW" altLang="en-US"/>
           </a:p>
@@ -2596,7 +2596,7 @@
           <a:p>
             <a:fld id="{6BCD8E05-CB2E-4D8C-8649-F196AC579A59}" type="datetimeFigureOut">
               <a:rPr lang="zh-TW" altLang="en-US" smtClean="0"/>
-              <a:t>2019/8/20</a:t>
+              <a:t>2019/8/21</a:t>
             </a:fld>
             <a:endParaRPr lang="zh-TW" altLang="en-US"/>
           </a:p>
@@ -2745,7 +2745,7 @@
           <a:p>
             <a:fld id="{6BCD8E05-CB2E-4D8C-8649-F196AC579A59}" type="datetimeFigureOut">
               <a:rPr lang="zh-TW" altLang="en-US" smtClean="0"/>
-              <a:t>2019/8/20</a:t>
+              <a:t>2019/8/21</a:t>
             </a:fld>
             <a:endParaRPr lang="zh-TW" altLang="en-US"/>
           </a:p>
@@ -2871,7 +2871,7 @@
           <a:p>
             <a:fld id="{6BCD8E05-CB2E-4D8C-8649-F196AC579A59}" type="datetimeFigureOut">
               <a:rPr lang="zh-TW" altLang="en-US" smtClean="0"/>
-              <a:t>2019/8/20</a:t>
+              <a:t>2019/8/21</a:t>
             </a:fld>
             <a:endParaRPr lang="zh-TW" altLang="en-US"/>
           </a:p>
@@ -3122,7 +3122,7 @@
           <a:p>
             <a:fld id="{6BCD8E05-CB2E-4D8C-8649-F196AC579A59}" type="datetimeFigureOut">
               <a:rPr lang="zh-TW" altLang="en-US" smtClean="0"/>
-              <a:t>2019/8/20</a:t>
+              <a:t>2019/8/21</a:t>
             </a:fld>
             <a:endParaRPr lang="zh-TW" altLang="en-US"/>
           </a:p>
@@ -3567,7 +3567,7 @@
           <a:p>
             <a:fld id="{6BCD8E05-CB2E-4D8C-8649-F196AC579A59}" type="datetimeFigureOut">
               <a:rPr lang="zh-TW" altLang="en-US" smtClean="0"/>
-              <a:t>2019/8/20</a:t>
+              <a:t>2019/8/21</a:t>
             </a:fld>
             <a:endParaRPr lang="zh-TW" altLang="en-US"/>
           </a:p>
@@ -3894,7 +3894,7 @@
           <a:p>
             <a:fld id="{6BCD8E05-CB2E-4D8C-8649-F196AC579A59}" type="datetimeFigureOut">
               <a:rPr lang="zh-TW" altLang="en-US" smtClean="0"/>
-              <a:t>2019/8/20</a:t>
+              <a:t>2019/8/21</a:t>
             </a:fld>
             <a:endParaRPr lang="zh-TW" altLang="en-US"/>
           </a:p>
@@ -4451,6 +4451,13 @@
   <p:clrMapOvr>
     <a:masterClrMapping/>
   </p:clrMapOvr>
+  <p:timing>
+    <p:tnLst>
+      <p:par>
+        <p:cTn id="1" dur="indefinite" restart="never" nodeType="tmRoot"/>
+      </p:par>
+    </p:tnLst>
+  </p:timing>
 </p:sld>
 </file>
 
@@ -4542,6 +4549,13 @@
   <p:clrMapOvr>
     <a:masterClrMapping/>
   </p:clrMapOvr>
+  <p:timing>
+    <p:tnLst>
+      <p:par>
+        <p:cTn id="1" dur="indefinite" restart="never" nodeType="tmRoot"/>
+      </p:par>
+    </p:tnLst>
+  </p:timing>
 </p:sld>
 </file>
 
@@ -4638,22 +4652,14 @@
               <a:buAutoNum type="arabicPeriod"/>
             </a:pPr>
             <a:r>
-              <a:rPr lang="zh-TW" altLang="en-US" sz="3200" dirty="0">
+              <a:rPr lang="zh-TW" altLang="en-US" sz="3200" smtClean="0">
                 <a:ea typeface="新細明體"/>
               </a:rPr>
-              <a:t>可以使用email登入或者是帳戶名稱登入</a:t>
-            </a:r>
-          </a:p>
-          <a:p>
-            <a:pPr marL="514350" indent="-514350">
-              <a:buAutoNum type="arabicPeriod"/>
-            </a:pPr>
-            <a:r>
-              <a:rPr lang="zh-TW" altLang="en-US" sz="3200" dirty="0">
-                <a:ea typeface="新細明體"/>
-              </a:rPr>
-              <a:t>在網頁端顯示登入者名稱</a:t>
-            </a:r>
+              <a:t>整合所有管理端功能</a:t>
+            </a:r>
+            <a:endParaRPr lang="zh-TW" altLang="en-US" sz="3200" dirty="0">
+              <a:ea typeface="新細明體"/>
+            </a:endParaRPr>
           </a:p>
         </p:txBody>
       </p:sp>
@@ -4863,6 +4869,13 @@
   <p:clrMapOvr>
     <a:masterClrMapping/>
   </p:clrMapOvr>
+  <p:timing>
+    <p:tnLst>
+      <p:par>
+        <p:cTn id="1" dur="indefinite" restart="never" nodeType="tmRoot"/>
+      </p:par>
+    </p:tnLst>
+  </p:timing>
 </p:sld>
 </file>
 
@@ -5320,6 +5333,13 @@
   <p:clrMapOvr>
     <a:masterClrMapping/>
   </p:clrMapOvr>
+  <p:timing>
+    <p:tnLst>
+      <p:par>
+        <p:cTn id="1" dur="indefinite" restart="never" nodeType="tmRoot"/>
+      </p:par>
+    </p:tnLst>
+  </p:timing>
 </p:sld>
 </file>
 
@@ -5356,7 +5376,7 @@
                 <a16:creationId xmlns:a16="http://schemas.microsoft.com/office/drawing/2014/main" id="{C6870151-9189-4C3A-8379-EF3D95827A0A}"/>
               </a:ext>
               <a:ext uri="{C183D7F6-B498-43B3-948B-1728B52AA6E4}">
-                <adec:decorative xmlns:adec="http://schemas.microsoft.com/office/drawing/2017/decorative" val="1"/>
+                <adec:decorative xmlns:adec="http://schemas.microsoft.com/office/drawing/2017/decorative" xmlns="" val="1"/>
               </a:ext>
             </a:extLst>
           </p:cNvPr>
@@ -5447,7 +5467,7 @@
                 <a16:creationId xmlns:a16="http://schemas.microsoft.com/office/drawing/2014/main" id="{123EA69C-102A-4DD0-9547-05DCD271D159}"/>
               </a:ext>
               <a:ext uri="{C183D7F6-B498-43B3-948B-1728B52AA6E4}">
-                <adec:decorative xmlns:adec="http://schemas.microsoft.com/office/drawing/2017/decorative" val="1"/>
+                <adec:decorative xmlns:adec="http://schemas.microsoft.com/office/drawing/2017/decorative" xmlns="" val="1"/>
               </a:ext>
             </a:extLst>
           </p:cNvPr>
@@ -5581,7 +5601,7 @@
                 <a16:creationId xmlns:a16="http://schemas.microsoft.com/office/drawing/2014/main" id="{6A862265-5CA3-4C40-8582-7534C3B03C2A}"/>
               </a:ext>
               <a:ext uri="{C183D7F6-B498-43B3-948B-1728B52AA6E4}">
-                <adec:decorative xmlns:adec="http://schemas.microsoft.com/office/drawing/2017/decorative" val="1"/>
+                <adec:decorative xmlns:adec="http://schemas.microsoft.com/office/drawing/2017/decorative" xmlns="" val="1"/>
               </a:ext>
             </a:extLst>
           </p:cNvPr>
@@ -5721,7 +5741,7 @@
                 <a16:creationId xmlns:a16="http://schemas.microsoft.com/office/drawing/2014/main" id="{600EF80B-0391-4082-9AF5-F15B091B4CE9}"/>
               </a:ext>
               <a:ext uri="{C183D7F6-B498-43B3-948B-1728B52AA6E4}">
-                <adec:decorative xmlns:adec="http://schemas.microsoft.com/office/drawing/2017/decorative" val="1"/>
+                <adec:decorative xmlns:adec="http://schemas.microsoft.com/office/drawing/2017/decorative" xmlns="" val="1"/>
               </a:ext>
             </a:extLst>
           </p:cNvPr>
@@ -5798,7 +5818,7 @@
                 <a16:creationId xmlns:a16="http://schemas.microsoft.com/office/drawing/2014/main" id="{D33AC32D-5F44-45F7-A0BD-7C11A86BED57}"/>
               </a:ext>
               <a:ext uri="{C183D7F6-B498-43B3-948B-1728B52AA6E4}">
-                <adec:decorative xmlns:adec="http://schemas.microsoft.com/office/drawing/2017/decorative" val="1"/>
+                <adec:decorative xmlns:adec="http://schemas.microsoft.com/office/drawing/2017/decorative" xmlns="" val="1"/>
               </a:ext>
             </a:extLst>
           </p:cNvPr>
@@ -5884,7 +5904,7 @@
                 <a16:creationId xmlns:a16="http://schemas.microsoft.com/office/drawing/2014/main" id="{3FBF03E8-C602-4192-9C52-F84B29FDCC88}"/>
               </a:ext>
               <a:ext uri="{C183D7F6-B498-43B3-948B-1728B52AA6E4}">
-                <adec:decorative xmlns:adec="http://schemas.microsoft.com/office/drawing/2017/decorative" val="1"/>
+                <adec:decorative xmlns:adec="http://schemas.microsoft.com/office/drawing/2017/decorative" xmlns="" val="1"/>
               </a:ext>
             </a:extLst>
           </p:cNvPr>
@@ -6283,21 +6303,6 @@
 </file>
 
 <file path=customXml/item1.xml><?xml version="1.0" encoding="utf-8"?>
-<?mso-contentType ?>
-<FormTemplates xmlns="http://schemas.microsoft.com/sharepoint/v3/contenttype/forms">
-  <Display>DocumentLibraryForm</Display>
-  <Edit>DocumentLibraryForm</Edit>
-  <New>DocumentLibraryForm</New>
-</FormTemplates>
-</file>
-
-<file path=customXml/item2.xml><?xml version="1.0" encoding="utf-8"?>
-<p:properties xmlns:p="http://schemas.microsoft.com/office/2006/metadata/properties" xmlns:xsi="http://www.w3.org/2001/XMLSchema-instance" xmlns:pc="http://schemas.microsoft.com/office/infopath/2007/PartnerControls">
-  <documentManagement/>
-</p:properties>
-</file>
-
-<file path=customXml/item3.xml><?xml version="1.0" encoding="utf-8"?>
 <ct:contentTypeSchema xmlns:ct="http://schemas.microsoft.com/office/2006/metadata/contentType" xmlns:ma="http://schemas.microsoft.com/office/2006/metadata/properties/metaAttributes" ct:_="" ma:_="" ma:contentTypeName="文件" ma:contentTypeID="0x0101008459A0A17249BA489AB8E239BBBAF080" ma:contentTypeVersion="6" ma:contentTypeDescription="建立新的文件。" ma:contentTypeScope="" ma:versionID="8ae6056eadc4f818d3e1a3552d15997d">
   <xsd:schema xmlns:xsd="http://www.w3.org/2001/XMLSchema" xmlns:xs="http://www.w3.org/2001/XMLSchema" xmlns:p="http://schemas.microsoft.com/office/2006/metadata/properties" xmlns:ns2="a300ae46-c96c-4fd0-90ec-9021b7e316a0" targetNamespace="http://schemas.microsoft.com/office/2006/metadata/properties" ma:root="true" ma:fieldsID="16d7e85f124a5a34cb7ec3154cac84f8" ns2:_="">
     <xsd:import namespace="a300ae46-c96c-4fd0-90ec-9021b7e316a0"/>
@@ -6455,24 +6460,22 @@
 </ct:contentTypeSchema>
 </file>
 
-<file path=customXml/itemProps1.xml><?xml version="1.0" encoding="utf-8"?>
-<ds:datastoreItem xmlns:ds="http://schemas.openxmlformats.org/officeDocument/2006/customXml" ds:itemID="{53B40869-ADBF-430B-A34B-4817E14A1330}">
-  <ds:schemaRefs>
-    <ds:schemaRef ds:uri="http://schemas.microsoft.com/sharepoint/v3/contenttype/forms"/>
-  </ds:schemaRefs>
-</ds:datastoreItem>
+<file path=customXml/item2.xml><?xml version="1.0" encoding="utf-8"?>
+<p:properties xmlns:p="http://schemas.microsoft.com/office/2006/metadata/properties" xmlns:xsi="http://www.w3.org/2001/XMLSchema-instance" xmlns:pc="http://schemas.microsoft.com/office/infopath/2007/PartnerControls">
+  <documentManagement/>
+</p:properties>
 </file>
 
-<file path=customXml/itemProps2.xml><?xml version="1.0" encoding="utf-8"?>
-<ds:datastoreItem xmlns:ds="http://schemas.openxmlformats.org/officeDocument/2006/customXml" ds:itemID="{A648AF75-3CD4-45AE-AE83-11FE574EA16B}">
-  <ds:schemaRefs>
-    <ds:schemaRef ds:uri="http://schemas.microsoft.com/office/2006/metadata/properties"/>
-    <ds:schemaRef ds:uri="http://schemas.microsoft.com/office/infopath/2007/PartnerControls"/>
-  </ds:schemaRefs>
-</ds:datastoreItem>
+<file path=customXml/item3.xml><?xml version="1.0" encoding="utf-8"?>
+<?mso-contentType ?>
+<FormTemplates xmlns="http://schemas.microsoft.com/sharepoint/v3/contenttype/forms">
+  <Display>DocumentLibraryForm</Display>
+  <Edit>DocumentLibraryForm</Edit>
+  <New>DocumentLibraryForm</New>
+</FormTemplates>
 </file>
 
-<file path=customXml/itemProps3.xml><?xml version="1.0" encoding="utf-8"?>
+<file path=customXml/itemProps1.xml><?xml version="1.0" encoding="utf-8"?>
 <ds:datastoreItem xmlns:ds="http://schemas.openxmlformats.org/officeDocument/2006/customXml" ds:itemID="{5350061A-66AF-43E9-966B-5BE36EAF414E}">
   <ds:schemaRefs>
     <ds:schemaRef ds:uri="a300ae46-c96c-4fd0-90ec-9021b7e316a0"/>
@@ -6488,4 +6491,21 @@
     <ds:schemaRef ds:uri="http://www.w3.org/2001/XMLSchema"/>
   </ds:schemaRefs>
 </ds:datastoreItem>
+</file>
+
+<file path=customXml/itemProps2.xml><?xml version="1.0" encoding="utf-8"?>
+<ds:datastoreItem xmlns:ds="http://schemas.openxmlformats.org/officeDocument/2006/customXml" ds:itemID="{A648AF75-3CD4-45AE-AE83-11FE574EA16B}">
+  <ds:schemaRefs>
+    <ds:schemaRef ds:uri="http://schemas.microsoft.com/office/2006/metadata/properties"/>
+    <ds:schemaRef ds:uri="http://schemas.microsoft.com/office/infopath/2007/PartnerControls"/>
+  </ds:schemaRefs>
+</ds:datastoreItem>
+</file>
+
+<file path=customXml/itemProps3.xml><?xml version="1.0" encoding="utf-8"?>
+<ds:datastoreItem xmlns:ds="http://schemas.openxmlformats.org/officeDocument/2006/customXml" ds:itemID="{53B40869-ADBF-430B-A34B-4817E14A1330}">
+  <ds:schemaRefs>
+    <ds:schemaRef ds:uri="http://schemas.microsoft.com/sharepoint/v3/contenttype/forms"/>
+  </ds:schemaRefs>
+</ds:datastoreItem>
 </file>
--- a/開學第1次會議(2019_0827).pptx
+++ b/開學第1次會議(2019_0827).pptx
@@ -1006,7 +1006,7 @@
           <a:p>
             <a:fld id="{6BCD8E05-CB2E-4D8C-8649-F196AC579A59}" type="datetimeFigureOut">
               <a:rPr lang="zh-TW" altLang="en-US" smtClean="0"/>
-              <a:t>2019/8/21</a:t>
+              <a:t>2019/9/4</a:t>
             </a:fld>
             <a:endParaRPr lang="zh-TW" altLang="en-US"/>
           </a:p>
@@ -1217,7 +1217,7 @@
           <a:p>
             <a:fld id="{6BCD8E05-CB2E-4D8C-8649-F196AC579A59}" type="datetimeFigureOut">
               <a:rPr lang="zh-TW" altLang="en-US" smtClean="0"/>
-              <a:t>2019/8/21</a:t>
+              <a:t>2019/9/4</a:t>
             </a:fld>
             <a:endParaRPr lang="zh-TW" altLang="en-US"/>
           </a:p>
@@ -1432,7 +1432,7 @@
           <a:p>
             <a:fld id="{6BCD8E05-CB2E-4D8C-8649-F196AC579A59}" type="datetimeFigureOut">
               <a:rPr lang="zh-TW" altLang="en-US" smtClean="0"/>
-              <a:t>2019/8/21</a:t>
+              <a:t>2019/9/4</a:t>
             </a:fld>
             <a:endParaRPr lang="zh-TW" altLang="en-US"/>
           </a:p>
@@ -1633,7 +1633,7 @@
           <a:p>
             <a:fld id="{6BCD8E05-CB2E-4D8C-8649-F196AC579A59}" type="datetimeFigureOut">
               <a:rPr lang="zh-TW" altLang="en-US" smtClean="0"/>
-              <a:t>2019/8/21</a:t>
+              <a:t>2019/9/4</a:t>
             </a:fld>
             <a:endParaRPr lang="zh-TW" altLang="en-US"/>
           </a:p>
@@ -1912,7 +1912,7 @@
           <a:p>
             <a:fld id="{6BCD8E05-CB2E-4D8C-8649-F196AC579A59}" type="datetimeFigureOut">
               <a:rPr lang="zh-TW" altLang="en-US" smtClean="0"/>
-              <a:t>2019/8/21</a:t>
+              <a:t>2019/9/4</a:t>
             </a:fld>
             <a:endParaRPr lang="zh-TW" altLang="en-US"/>
           </a:p>
@@ -2180,7 +2180,7 @@
           <a:p>
             <a:fld id="{6BCD8E05-CB2E-4D8C-8649-F196AC579A59}" type="datetimeFigureOut">
               <a:rPr lang="zh-TW" altLang="en-US" smtClean="0"/>
-              <a:t>2019/8/21</a:t>
+              <a:t>2019/9/4</a:t>
             </a:fld>
             <a:endParaRPr lang="zh-TW" altLang="en-US"/>
           </a:p>
@@ -2596,7 +2596,7 @@
           <a:p>
             <a:fld id="{6BCD8E05-CB2E-4D8C-8649-F196AC579A59}" type="datetimeFigureOut">
               <a:rPr lang="zh-TW" altLang="en-US" smtClean="0"/>
-              <a:t>2019/8/21</a:t>
+              <a:t>2019/9/4</a:t>
             </a:fld>
             <a:endParaRPr lang="zh-TW" altLang="en-US"/>
           </a:p>
@@ -2745,7 +2745,7 @@
           <a:p>
             <a:fld id="{6BCD8E05-CB2E-4D8C-8649-F196AC579A59}" type="datetimeFigureOut">
               <a:rPr lang="zh-TW" altLang="en-US" smtClean="0"/>
-              <a:t>2019/8/21</a:t>
+              <a:t>2019/9/4</a:t>
             </a:fld>
             <a:endParaRPr lang="zh-TW" altLang="en-US"/>
           </a:p>
@@ -2871,7 +2871,7 @@
           <a:p>
             <a:fld id="{6BCD8E05-CB2E-4D8C-8649-F196AC579A59}" type="datetimeFigureOut">
               <a:rPr lang="zh-TW" altLang="en-US" smtClean="0"/>
-              <a:t>2019/8/21</a:t>
+              <a:t>2019/9/4</a:t>
             </a:fld>
             <a:endParaRPr lang="zh-TW" altLang="en-US"/>
           </a:p>
@@ -3122,7 +3122,7 @@
           <a:p>
             <a:fld id="{6BCD8E05-CB2E-4D8C-8649-F196AC579A59}" type="datetimeFigureOut">
               <a:rPr lang="zh-TW" altLang="en-US" smtClean="0"/>
-              <a:t>2019/8/21</a:t>
+              <a:t>2019/9/4</a:t>
             </a:fld>
             <a:endParaRPr lang="zh-TW" altLang="en-US"/>
           </a:p>
@@ -3567,7 +3567,7 @@
           <a:p>
             <a:fld id="{6BCD8E05-CB2E-4D8C-8649-F196AC579A59}" type="datetimeFigureOut">
               <a:rPr lang="zh-TW" altLang="en-US" smtClean="0"/>
-              <a:t>2019/8/21</a:t>
+              <a:t>2019/9/4</a:t>
             </a:fld>
             <a:endParaRPr lang="zh-TW" altLang="en-US"/>
           </a:p>
@@ -3894,7 +3894,7 @@
           <a:p>
             <a:fld id="{6BCD8E05-CB2E-4D8C-8649-F196AC579A59}" type="datetimeFigureOut">
               <a:rPr lang="zh-TW" altLang="en-US" smtClean="0"/>
-              <a:t>2019/8/21</a:t>
+              <a:t>2019/9/4</a:t>
             </a:fld>
             <a:endParaRPr lang="zh-TW" altLang="en-US"/>
           </a:p>
@@ -4655,7 +4655,52 @@
               <a:rPr lang="zh-TW" altLang="en-US" sz="3200" smtClean="0">
                 <a:ea typeface="新細明體"/>
               </a:rPr>
-              <a:t>整合所有管理端功能</a:t>
+              <a:t>整合管理</a:t>
+            </a:r>
+            <a:r>
+              <a:rPr lang="zh-TW" altLang="en-US" sz="3200" dirty="0" smtClean="0">
+                <a:ea typeface="新細明體"/>
+              </a:rPr>
+              <a:t>端</a:t>
+            </a:r>
+            <a:r>
+              <a:rPr lang="zh-TW" altLang="en-US" sz="3200" dirty="0" smtClean="0">
+                <a:ea typeface="新細明體"/>
+              </a:rPr>
+              <a:t>功能</a:t>
+            </a:r>
+            <a:endParaRPr lang="en-US" altLang="zh-TW" sz="3200" dirty="0" smtClean="0">
+              <a:ea typeface="新細明體"/>
+            </a:endParaRPr>
+          </a:p>
+          <a:p>
+            <a:pPr marL="514350" indent="-514350">
+              <a:buFont typeface="+mj-lt"/>
+              <a:buAutoNum type="arabicPeriod"/>
+            </a:pPr>
+            <a:r>
+              <a:rPr lang="zh-TW" altLang="en-US" sz="3200" dirty="0" smtClean="0">
+                <a:ea typeface="新細明體"/>
+              </a:rPr>
+              <a:t>創建使用者錢包資料庫</a:t>
+            </a:r>
+            <a:r>
+              <a:rPr lang="en-US" altLang="zh-TW" sz="3200" dirty="0" smtClean="0">
+                <a:ea typeface="新細明體"/>
+              </a:rPr>
+              <a:t>(</a:t>
+            </a:r>
+            <a:r>
+              <a:rPr lang="zh-TW" altLang="en-US" sz="3200" dirty="0" smtClean="0">
+                <a:ea typeface="新細明體"/>
+              </a:rPr>
+              <a:t>連接使用者名稱</a:t>
+            </a:r>
+            <a:r>
+              <a:rPr lang="en-US" altLang="zh-TW" sz="3200" dirty="0" smtClean="0">
+                <a:ea typeface="新細明體"/>
+              </a:rPr>
+              <a:t>)</a:t>
             </a:r>
             <a:endParaRPr lang="zh-TW" altLang="en-US" sz="3200" dirty="0">
               <a:ea typeface="新細明體"/>
@@ -4663,96 +4708,6 @@
           </a:p>
         </p:txBody>
       </p:sp>
-      <p:pic>
-        <p:nvPicPr>
-          <p:cNvPr id="9" name="Picture 9" descr="A screenshot of a social media post&#10;&#10;Description generated with very high confidence">
-            <a:extLst>
-              <a:ext uri="{FF2B5EF4-FFF2-40B4-BE49-F238E27FC236}">
-                <a16:creationId xmlns:a16="http://schemas.microsoft.com/office/drawing/2014/main" id="{877AD547-8AAA-4432-AD91-38EF1DDAADFF}"/>
-              </a:ext>
-            </a:extLst>
-          </p:cNvPr>
-          <p:cNvPicPr>
-            <a:picLocks noChangeAspect="1"/>
-          </p:cNvPicPr>
-          <p:nvPr/>
-        </p:nvPicPr>
-        <p:blipFill>
-          <a:blip r:embed="rId2"/>
-          <a:stretch>
-            <a:fillRect/>
-          </a:stretch>
-        </p:blipFill>
-        <p:spPr>
-          <a:xfrm>
-            <a:off x="693821" y="3111422"/>
-            <a:ext cx="5370094" cy="5187103"/>
-          </a:xfrm>
-          <a:prstGeom prst="rect">
-            <a:avLst/>
-          </a:prstGeom>
-        </p:spPr>
-      </p:pic>
-      <p:pic>
-        <p:nvPicPr>
-          <p:cNvPr id="13" name="Picture 13" descr="A screenshot of a social media post&#10;&#10;Description generated with very high confidence">
-            <a:extLst>
-              <a:ext uri="{FF2B5EF4-FFF2-40B4-BE49-F238E27FC236}">
-                <a16:creationId xmlns:a16="http://schemas.microsoft.com/office/drawing/2014/main" id="{51F4EFFA-A87F-4DBB-8F06-98905A53E32A}"/>
-              </a:ext>
-            </a:extLst>
-          </p:cNvPr>
-          <p:cNvPicPr>
-            <a:picLocks noChangeAspect="1"/>
-          </p:cNvPicPr>
-          <p:nvPr/>
-        </p:nvPicPr>
-        <p:blipFill>
-          <a:blip r:embed="rId3"/>
-          <a:stretch>
-            <a:fillRect/>
-          </a:stretch>
-        </p:blipFill>
-        <p:spPr>
-          <a:xfrm>
-            <a:off x="2899610" y="3111423"/>
-            <a:ext cx="5340014" cy="5187102"/>
-          </a:xfrm>
-          <a:prstGeom prst="rect">
-            <a:avLst/>
-          </a:prstGeom>
-        </p:spPr>
-      </p:pic>
-      <p:pic>
-        <p:nvPicPr>
-          <p:cNvPr id="11" name="Picture 11" descr="A screenshot of a social media post&#10;&#10;Description generated with very high confidence">
-            <a:extLst>
-              <a:ext uri="{FF2B5EF4-FFF2-40B4-BE49-F238E27FC236}">
-                <a16:creationId xmlns:a16="http://schemas.microsoft.com/office/drawing/2014/main" id="{B61CF400-7E79-42EC-8281-18D1E3A0E627}"/>
-              </a:ext>
-            </a:extLst>
-          </p:cNvPr>
-          <p:cNvPicPr>
-            <a:picLocks noChangeAspect="1"/>
-          </p:cNvPicPr>
-          <p:nvPr/>
-        </p:nvPicPr>
-        <p:blipFill>
-          <a:blip r:embed="rId4"/>
-          <a:stretch>
-            <a:fillRect/>
-          </a:stretch>
-        </p:blipFill>
-        <p:spPr>
-          <a:xfrm>
-            <a:off x="5105400" y="3111424"/>
-            <a:ext cx="5660857" cy="5447786"/>
-          </a:xfrm>
-          <a:prstGeom prst="rect">
-            <a:avLst/>
-          </a:prstGeom>
-        </p:spPr>
-      </p:pic>
       <p:sp>
         <p:nvSpPr>
           <p:cNvPr id="15" name="Rectangle 14">
@@ -4896,66 +4851,6 @@
           <a:chExt cx="0" cy="0"/>
         </a:xfrm>
       </p:grpSpPr>
-      <p:pic>
-        <p:nvPicPr>
-          <p:cNvPr id="6" name="Picture 6" descr="A screenshot of a social media post&#10;&#10;Description generated with very high confidence">
-            <a:extLst>
-              <a:ext uri="{FF2B5EF4-FFF2-40B4-BE49-F238E27FC236}">
-                <a16:creationId xmlns:a16="http://schemas.microsoft.com/office/drawing/2014/main" id="{26A58B2E-BC9F-4FBA-A441-EF77C0BE48CA}"/>
-              </a:ext>
-            </a:extLst>
-          </p:cNvPr>
-          <p:cNvPicPr>
-            <a:picLocks noChangeAspect="1"/>
-          </p:cNvPicPr>
-          <p:nvPr/>
-        </p:nvPicPr>
-        <p:blipFill>
-          <a:blip r:embed="rId2"/>
-          <a:stretch>
-            <a:fillRect/>
-          </a:stretch>
-        </p:blipFill>
-        <p:spPr>
-          <a:xfrm>
-            <a:off x="774032" y="2638709"/>
-            <a:ext cx="6884068" cy="4067109"/>
-          </a:xfrm>
-          <a:prstGeom prst="rect">
-            <a:avLst/>
-          </a:prstGeom>
-        </p:spPr>
-      </p:pic>
-      <p:pic>
-        <p:nvPicPr>
-          <p:cNvPr id="8" name="Picture 9" descr="A screenshot of a social media post&#10;&#10;Description generated with very high confidence">
-            <a:extLst>
-              <a:ext uri="{FF2B5EF4-FFF2-40B4-BE49-F238E27FC236}">
-                <a16:creationId xmlns:a16="http://schemas.microsoft.com/office/drawing/2014/main" id="{BCF59363-3479-44D6-B52A-CECB0BC88B99}"/>
-              </a:ext>
-            </a:extLst>
-          </p:cNvPr>
-          <p:cNvPicPr>
-            <a:picLocks noChangeAspect="1"/>
-          </p:cNvPicPr>
-          <p:nvPr/>
-        </p:nvPicPr>
-        <p:blipFill>
-          <a:blip r:embed="rId3"/>
-          <a:stretch>
-            <a:fillRect/>
-          </a:stretch>
-        </p:blipFill>
-        <p:spPr>
-          <a:xfrm>
-            <a:off x="4082716" y="3982235"/>
-            <a:ext cx="7305173" cy="4297714"/>
-          </a:xfrm>
-          <a:prstGeom prst="rect">
-            <a:avLst/>
-          </a:prstGeom>
-        </p:spPr>
-      </p:pic>
       <p:sp>
         <p:nvSpPr>
           <p:cNvPr id="2" name="標題 1">
@@ -4985,13 +4880,19 @@
           <a:lstStyle/>
           <a:p>
             <a:r>
-              <a:rPr lang="en-US" altLang="zh-TW" sz="4400">
+              <a:rPr lang="en-US" altLang="zh-TW" sz="4400" dirty="0">
                 <a:ea typeface="新細明體"/>
               </a:rPr>
-              <a:t>(2019/08/07-2019/08/20)</a:t>
-            </a:r>
-            <a:r>
-              <a:rPr lang="zh-TW" altLang="en-US" sz="4400">
+              <a:t>(</a:t>
+            </a:r>
+            <a:r>
+              <a:rPr lang="en-US" altLang="zh-TW" sz="4400" dirty="0" smtClean="0">
+                <a:ea typeface="新細明體"/>
+              </a:rPr>
+              <a:t>2019/08/21-2019/08/27)</a:t>
+            </a:r>
+            <a:r>
+              <a:rPr lang="zh-TW" altLang="en-US" sz="4400" dirty="0">
                 <a:ea typeface="新細明體"/>
               </a:rPr>
               <a:t>進度：</a:t>
@@ -5215,6 +5116,13 @@
   <p:clrMapOvr>
     <a:masterClrMapping/>
   </p:clrMapOvr>
+  <p:timing>
+    <p:tnLst>
+      <p:par>
+        <p:cTn id="1" dur="indefinite" restart="never" nodeType="tmRoot"/>
+      </p:par>
+    </p:tnLst>
+  </p:timing>
 </p:sld>
 </file>
 
@@ -5376,7 +5284,7 @@
                 <a16:creationId xmlns:a16="http://schemas.microsoft.com/office/drawing/2014/main" id="{C6870151-9189-4C3A-8379-EF3D95827A0A}"/>
               </a:ext>
               <a:ext uri="{C183D7F6-B498-43B3-948B-1728B52AA6E4}">
-                <adec:decorative xmlns:adec="http://schemas.microsoft.com/office/drawing/2017/decorative" xmlns="" val="1"/>
+                <adec:decorative xmlns="" xmlns:adec="http://schemas.microsoft.com/office/drawing/2017/decorative" val="1"/>
               </a:ext>
             </a:extLst>
           </p:cNvPr>
@@ -5467,7 +5375,7 @@
                 <a16:creationId xmlns:a16="http://schemas.microsoft.com/office/drawing/2014/main" id="{123EA69C-102A-4DD0-9547-05DCD271D159}"/>
               </a:ext>
               <a:ext uri="{C183D7F6-B498-43B3-948B-1728B52AA6E4}">
-                <adec:decorative xmlns:adec="http://schemas.microsoft.com/office/drawing/2017/decorative" xmlns="" val="1"/>
+                <adec:decorative xmlns="" xmlns:adec="http://schemas.microsoft.com/office/drawing/2017/decorative" val="1"/>
               </a:ext>
             </a:extLst>
           </p:cNvPr>
@@ -5601,7 +5509,7 @@
                 <a16:creationId xmlns:a16="http://schemas.microsoft.com/office/drawing/2014/main" id="{6A862265-5CA3-4C40-8582-7534C3B03C2A}"/>
               </a:ext>
               <a:ext uri="{C183D7F6-B498-43B3-948B-1728B52AA6E4}">
-                <adec:decorative xmlns:adec="http://schemas.microsoft.com/office/drawing/2017/decorative" xmlns="" val="1"/>
+                <adec:decorative xmlns="" xmlns:adec="http://schemas.microsoft.com/office/drawing/2017/decorative" val="1"/>
               </a:ext>
             </a:extLst>
           </p:cNvPr>
@@ -5741,7 +5649,7 @@
                 <a16:creationId xmlns:a16="http://schemas.microsoft.com/office/drawing/2014/main" id="{600EF80B-0391-4082-9AF5-F15B091B4CE9}"/>
               </a:ext>
               <a:ext uri="{C183D7F6-B498-43B3-948B-1728B52AA6E4}">
-                <adec:decorative xmlns:adec="http://schemas.microsoft.com/office/drawing/2017/decorative" xmlns="" val="1"/>
+                <adec:decorative xmlns="" xmlns:adec="http://schemas.microsoft.com/office/drawing/2017/decorative" val="1"/>
               </a:ext>
             </a:extLst>
           </p:cNvPr>
@@ -5818,7 +5726,7 @@
                 <a16:creationId xmlns:a16="http://schemas.microsoft.com/office/drawing/2014/main" id="{D33AC32D-5F44-45F7-A0BD-7C11A86BED57}"/>
               </a:ext>
               <a:ext uri="{C183D7F6-B498-43B3-948B-1728B52AA6E4}">
-                <adec:decorative xmlns:adec="http://schemas.microsoft.com/office/drawing/2017/decorative" xmlns="" val="1"/>
+                <adec:decorative xmlns="" xmlns:adec="http://schemas.microsoft.com/office/drawing/2017/decorative" val="1"/>
               </a:ext>
             </a:extLst>
           </p:cNvPr>
@@ -5904,7 +5812,7 @@
                 <a16:creationId xmlns:a16="http://schemas.microsoft.com/office/drawing/2014/main" id="{3FBF03E8-C602-4192-9C52-F84B29FDCC88}"/>
               </a:ext>
               <a:ext uri="{C183D7F6-B498-43B3-948B-1728B52AA6E4}">
-                <adec:decorative xmlns:adec="http://schemas.microsoft.com/office/drawing/2017/decorative" xmlns="" val="1"/>
+                <adec:decorative xmlns="" xmlns:adec="http://schemas.microsoft.com/office/drawing/2017/decorative" val="1"/>
               </a:ext>
             </a:extLst>
           </p:cNvPr>
@@ -6303,6 +6211,21 @@
 </file>
 
 <file path=customXml/item1.xml><?xml version="1.0" encoding="utf-8"?>
+<?mso-contentType ?>
+<FormTemplates xmlns="http://schemas.microsoft.com/sharepoint/v3/contenttype/forms">
+  <Display>DocumentLibraryForm</Display>
+  <Edit>DocumentLibraryForm</Edit>
+  <New>DocumentLibraryForm</New>
+</FormTemplates>
+</file>
+
+<file path=customXml/item2.xml><?xml version="1.0" encoding="utf-8"?>
+<p:properties xmlns:p="http://schemas.microsoft.com/office/2006/metadata/properties" xmlns:xsi="http://www.w3.org/2001/XMLSchema-instance" xmlns:pc="http://schemas.microsoft.com/office/infopath/2007/PartnerControls">
+  <documentManagement/>
+</p:properties>
+</file>
+
+<file path=customXml/item3.xml><?xml version="1.0" encoding="utf-8"?>
 <ct:contentTypeSchema xmlns:ct="http://schemas.microsoft.com/office/2006/metadata/contentType" xmlns:ma="http://schemas.microsoft.com/office/2006/metadata/properties/metaAttributes" ct:_="" ma:_="" ma:contentTypeName="文件" ma:contentTypeID="0x0101008459A0A17249BA489AB8E239BBBAF080" ma:contentTypeVersion="6" ma:contentTypeDescription="建立新的文件。" ma:contentTypeScope="" ma:versionID="8ae6056eadc4f818d3e1a3552d15997d">
   <xsd:schema xmlns:xsd="http://www.w3.org/2001/XMLSchema" xmlns:xs="http://www.w3.org/2001/XMLSchema" xmlns:p="http://schemas.microsoft.com/office/2006/metadata/properties" xmlns:ns2="a300ae46-c96c-4fd0-90ec-9021b7e316a0" targetNamespace="http://schemas.microsoft.com/office/2006/metadata/properties" ma:root="true" ma:fieldsID="16d7e85f124a5a34cb7ec3154cac84f8" ns2:_="">
     <xsd:import namespace="a300ae46-c96c-4fd0-90ec-9021b7e316a0"/>
@@ -6460,22 +6383,24 @@
 </ct:contentTypeSchema>
 </file>
 
-<file path=customXml/item2.xml><?xml version="1.0" encoding="utf-8"?>
-<p:properties xmlns:p="http://schemas.microsoft.com/office/2006/metadata/properties" xmlns:xsi="http://www.w3.org/2001/XMLSchema-instance" xmlns:pc="http://schemas.microsoft.com/office/infopath/2007/PartnerControls">
-  <documentManagement/>
-</p:properties>
+<file path=customXml/itemProps1.xml><?xml version="1.0" encoding="utf-8"?>
+<ds:datastoreItem xmlns:ds="http://schemas.openxmlformats.org/officeDocument/2006/customXml" ds:itemID="{53B40869-ADBF-430B-A34B-4817E14A1330}">
+  <ds:schemaRefs>
+    <ds:schemaRef ds:uri="http://schemas.microsoft.com/sharepoint/v3/contenttype/forms"/>
+  </ds:schemaRefs>
+</ds:datastoreItem>
 </file>
 
-<file path=customXml/item3.xml><?xml version="1.0" encoding="utf-8"?>
-<?mso-contentType ?>
-<FormTemplates xmlns="http://schemas.microsoft.com/sharepoint/v3/contenttype/forms">
-  <Display>DocumentLibraryForm</Display>
-  <Edit>DocumentLibraryForm</Edit>
-  <New>DocumentLibraryForm</New>
-</FormTemplates>
+<file path=customXml/itemProps2.xml><?xml version="1.0" encoding="utf-8"?>
+<ds:datastoreItem xmlns:ds="http://schemas.openxmlformats.org/officeDocument/2006/customXml" ds:itemID="{A648AF75-3CD4-45AE-AE83-11FE574EA16B}">
+  <ds:schemaRefs>
+    <ds:schemaRef ds:uri="http://schemas.microsoft.com/office/2006/metadata/properties"/>
+    <ds:schemaRef ds:uri="http://schemas.microsoft.com/office/infopath/2007/PartnerControls"/>
+  </ds:schemaRefs>
+</ds:datastoreItem>
 </file>
 
-<file path=customXml/itemProps1.xml><?xml version="1.0" encoding="utf-8"?>
+<file path=customXml/itemProps3.xml><?xml version="1.0" encoding="utf-8"?>
 <ds:datastoreItem xmlns:ds="http://schemas.openxmlformats.org/officeDocument/2006/customXml" ds:itemID="{5350061A-66AF-43E9-966B-5BE36EAF414E}">
   <ds:schemaRefs>
     <ds:schemaRef ds:uri="a300ae46-c96c-4fd0-90ec-9021b7e316a0"/>
@@ -6491,21 +6416,4 @@
     <ds:schemaRef ds:uri="http://www.w3.org/2001/XMLSchema"/>
   </ds:schemaRefs>
 </ds:datastoreItem>
-</file>
-
-<file path=customXml/itemProps2.xml><?xml version="1.0" encoding="utf-8"?>
-<ds:datastoreItem xmlns:ds="http://schemas.openxmlformats.org/officeDocument/2006/customXml" ds:itemID="{A648AF75-3CD4-45AE-AE83-11FE574EA16B}">
-  <ds:schemaRefs>
-    <ds:schemaRef ds:uri="http://schemas.microsoft.com/office/2006/metadata/properties"/>
-    <ds:schemaRef ds:uri="http://schemas.microsoft.com/office/infopath/2007/PartnerControls"/>
-  </ds:schemaRefs>
-</ds:datastoreItem>
-</file>
-
-<file path=customXml/itemProps3.xml><?xml version="1.0" encoding="utf-8"?>
-<ds:datastoreItem xmlns:ds="http://schemas.openxmlformats.org/officeDocument/2006/customXml" ds:itemID="{53B40869-ADBF-430B-A34B-4817E14A1330}">
-  <ds:schemaRefs>
-    <ds:schemaRef ds:uri="http://schemas.microsoft.com/sharepoint/v3/contenttype/forms"/>
-  </ds:schemaRefs>
-</ds:datastoreItem>
 </file>